--- a/Mime - Multipurpose Internet Mail Extensions/Mime Lecture/MIME Protocol.pptx
+++ b/Mime - Multipurpose Internet Mail Extensions/Mime Lecture/MIME Protocol.pptx
@@ -5413,7 +5413,7 @@
         </p:blipFill>
         <p:spPr>
           <a:xfrm>
-            <a:off x="3648075" y="1439435"/>
+            <a:off x="3648075" y="1458485"/>
             <a:ext cx="914400" cy="914400"/>
           </a:xfrm>
           <a:prstGeom prst="rect">
@@ -5624,6 +5624,69 @@
           </a:p>
         </p:txBody>
       </p:sp>
+      <p:graphicFrame>
+        <p:nvGraphicFramePr>
+          <p:cNvPr id="4" name="Object 3">
+            <a:extLst>
+              <a:ext uri="{FF2B5EF4-FFF2-40B4-BE49-F238E27FC236}">
+                <a16:creationId xmlns:a16="http://schemas.microsoft.com/office/drawing/2014/main" id="{8724B480-194D-88A1-E94A-436C1665CC29}"/>
+              </a:ext>
+            </a:extLst>
+          </p:cNvPr>
+          <p:cNvGraphicFramePr>
+            <a:graphicFrameLocks noChangeAspect="1"/>
+          </p:cNvGraphicFramePr>
+          <p:nvPr>
+            <p:extLst>
+              <p:ext uri="{D42A27DB-BD31-4B8C-83A1-F6EECF244321}">
+                <p14:modId xmlns:p14="http://schemas.microsoft.com/office/powerpoint/2010/main" val="2446034130"/>
+              </p:ext>
+            </p:extLst>
+          </p:nvPr>
+        </p:nvGraphicFramePr>
+        <p:xfrm>
+          <a:off x="6642100" y="1742130"/>
+          <a:ext cx="730250" cy="479425"/>
+        </p:xfrm>
+        <a:graphic>
+          <a:graphicData uri="http://schemas.openxmlformats.org/presentationml/2006/ole">
+            <mc:AlternateContent xmlns:mc="http://schemas.openxmlformats.org/markup-compatibility/2006">
+              <mc:Choice xmlns:v="urn:schemas-microsoft-com:vml" Requires="v">
+                <p:oleObj name="Packager Shell Object" showAsIcon="1" r:id="rId4" imgW="730080" imgH="478800" progId="Package">
+                  <p:embed/>
+                </p:oleObj>
+              </mc:Choice>
+              <mc:Fallback>
+                <p:oleObj name="Packager Shell Object" showAsIcon="1" r:id="rId4" imgW="730080" imgH="478800" progId="Package">
+                  <p:embed/>
+                  <p:pic>
+                    <p:nvPicPr>
+                      <p:cNvPr id="0" name=""/>
+                      <p:cNvPicPr/>
+                      <p:nvPr/>
+                    </p:nvPicPr>
+                    <p:blipFill>
+                      <a:blip r:embed="rId5"/>
+                      <a:stretch>
+                        <a:fillRect/>
+                      </a:stretch>
+                    </p:blipFill>
+                    <p:spPr>
+                      <a:xfrm>
+                        <a:off x="6642100" y="1742130"/>
+                        <a:ext cx="730250" cy="479425"/>
+                      </a:xfrm>
+                      <a:prstGeom prst="rect">
+                        <a:avLst/>
+                      </a:prstGeom>
+                    </p:spPr>
+                  </p:pic>
+                </p:oleObj>
+              </mc:Fallback>
+            </mc:AlternateContent>
+          </a:graphicData>
+        </a:graphic>
+      </p:graphicFrame>
     </p:spTree>
     <p:extLst>
       <p:ext uri="{BB962C8B-B14F-4D97-AF65-F5344CB8AC3E}">
@@ -5713,8 +5776,56 @@
               <a:t>Multipart Internet Mail Extensions – supports email messages other than ASCII Text. Thanks to that, we can send attachments and text in a format of HTML to recipients.</a:t>
             </a:r>
           </a:p>
-        </p:txBody>
-      </p:sp>
+          <a:p>
+            <a:endParaRPr lang="en-US" dirty="0"/>
+          </a:p>
+          <a:p>
+            <a:endParaRPr lang="en-US" dirty="0"/>
+          </a:p>
+          <a:p>
+            <a:r>
+              <a:rPr lang="en-US" dirty="0"/>
+              <a:t>SMTP is text only</a:t>
+            </a:r>
+          </a:p>
+          <a:p>
+            <a:r>
+              <a:rPr lang="en-US" dirty="0"/>
+              <a:t>SMTP is limited in size</a:t>
+            </a:r>
+          </a:p>
+        </p:txBody>
+      </p:sp>
+      <p:pic>
+        <p:nvPicPr>
+          <p:cNvPr id="5" name="Picture 4">
+            <a:extLst>
+              <a:ext uri="{FF2B5EF4-FFF2-40B4-BE49-F238E27FC236}">
+                <a16:creationId xmlns:a16="http://schemas.microsoft.com/office/drawing/2014/main" id="{C669D5F4-E49A-F37D-051F-309BC5ABD3A6}"/>
+              </a:ext>
+            </a:extLst>
+          </p:cNvPr>
+          <p:cNvPicPr>
+            <a:picLocks noChangeAspect="1"/>
+          </p:cNvPicPr>
+          <p:nvPr/>
+        </p:nvPicPr>
+        <p:blipFill>
+          <a:blip r:embed="rId2"/>
+          <a:stretch>
+            <a:fillRect/>
+          </a:stretch>
+        </p:blipFill>
+        <p:spPr>
+          <a:xfrm>
+            <a:off x="4429125" y="3176587"/>
+            <a:ext cx="6477000" cy="3514725"/>
+          </a:xfrm>
+          <a:prstGeom prst="rect">
+            <a:avLst/>
+          </a:prstGeom>
+        </p:spPr>
+      </p:pic>
     </p:spTree>
     <p:extLst>
       <p:ext uri="{BB962C8B-B14F-4D97-AF65-F5344CB8AC3E}">
